--- a/aula14/Aula14.pptx
+++ b/aula14/Aula14.pptx
@@ -6,7 +6,7 @@
     <p:sldMasterId id="2147483661" r:id="rId2"/>
   </p:sldMasterIdLst>
   <p:notesMasterIdLst>
-    <p:notesMasterId r:id="rId29"/>
+    <p:notesMasterId r:id="rId30"/>
   </p:notesMasterIdLst>
   <p:sldIdLst>
     <p:sldId id="256" r:id="rId3"/>
@@ -15,26 +15,27 @@
     <p:sldId id="270" r:id="rId6"/>
     <p:sldId id="272" r:id="rId7"/>
     <p:sldId id="271" r:id="rId8"/>
-    <p:sldId id="273" r:id="rId9"/>
-    <p:sldId id="287" r:id="rId10"/>
-    <p:sldId id="274" r:id="rId11"/>
-    <p:sldId id="275" r:id="rId12"/>
-    <p:sldId id="276" r:id="rId13"/>
-    <p:sldId id="277" r:id="rId14"/>
-    <p:sldId id="278" r:id="rId15"/>
-    <p:sldId id="279" r:id="rId16"/>
-    <p:sldId id="280" r:id="rId17"/>
-    <p:sldId id="281" r:id="rId18"/>
-    <p:sldId id="282" r:id="rId19"/>
-    <p:sldId id="283" r:id="rId20"/>
-    <p:sldId id="284" r:id="rId21"/>
-    <p:sldId id="285" r:id="rId22"/>
-    <p:sldId id="286" r:id="rId23"/>
-    <p:sldId id="258" r:id="rId24"/>
-    <p:sldId id="259" r:id="rId25"/>
-    <p:sldId id="267" r:id="rId26"/>
-    <p:sldId id="268" r:id="rId27"/>
-    <p:sldId id="260" r:id="rId28"/>
+    <p:sldId id="288" r:id="rId9"/>
+    <p:sldId id="273" r:id="rId10"/>
+    <p:sldId id="287" r:id="rId11"/>
+    <p:sldId id="274" r:id="rId12"/>
+    <p:sldId id="275" r:id="rId13"/>
+    <p:sldId id="276" r:id="rId14"/>
+    <p:sldId id="277" r:id="rId15"/>
+    <p:sldId id="278" r:id="rId16"/>
+    <p:sldId id="279" r:id="rId17"/>
+    <p:sldId id="280" r:id="rId18"/>
+    <p:sldId id="281" r:id="rId19"/>
+    <p:sldId id="282" r:id="rId20"/>
+    <p:sldId id="283" r:id="rId21"/>
+    <p:sldId id="284" r:id="rId22"/>
+    <p:sldId id="285" r:id="rId23"/>
+    <p:sldId id="286" r:id="rId24"/>
+    <p:sldId id="258" r:id="rId25"/>
+    <p:sldId id="259" r:id="rId26"/>
+    <p:sldId id="267" r:id="rId27"/>
+    <p:sldId id="268" r:id="rId28"/>
+    <p:sldId id="260" r:id="rId29"/>
   </p:sldIdLst>
   <p:sldSz cx="9144000" cy="5143500" type="screen16x9"/>
   <p:notesSz cx="7559675" cy="10691813"/>
@@ -133,6 +134,11 @@
       </a:defRPr>
     </a:lvl9pPr>
   </p:defaultTextStyle>
+  <p:extLst>
+    <p:ext uri="{EFAFB233-063F-42B5-8137-9DF3F51BA10A}">
+      <p15:sldGuideLst xmlns:p15="http://schemas.microsoft.com/office/powerpoint/2012/main"/>
+    </p:ext>
+  </p:extLst>
 </p:presentation>
 </file>
 
@@ -7208,6 +7214,318 @@
         <p:cNvPr id="1" name="">
           <a:extLst>
             <a:ext uri="{FF2B5EF4-FFF2-40B4-BE49-F238E27FC236}">
+              <a16:creationId xmlns:a16="http://schemas.microsoft.com/office/drawing/2014/main" id="{8BA9A728-E588-8DD1-267E-4ADCF25BBA57}"/>
+            </a:ext>
+          </a:extLst>
+        </p:cNvPr>
+        <p:cNvGrpSpPr/>
+        <p:nvPr/>
+      </p:nvGrpSpPr>
+      <p:grpSpPr>
+        <a:xfrm>
+          <a:off x="0" y="0"/>
+          <a:ext cx="0" cy="0"/>
+          <a:chOff x="0" y="0"/>
+          <a:chExt cx="0" cy="0"/>
+        </a:xfrm>
+      </p:grpSpPr>
+      <p:sp>
+        <p:nvSpPr>
+          <p:cNvPr id="175" name="Título 23">
+            <a:extLst>
+              <a:ext uri="{FF2B5EF4-FFF2-40B4-BE49-F238E27FC236}">
+                <a16:creationId xmlns:a16="http://schemas.microsoft.com/office/drawing/2014/main" id="{007FF11F-55D9-DFCE-4ECD-306086A83E67}"/>
+              </a:ext>
+            </a:extLst>
+          </p:cNvPr>
+          <p:cNvSpPr/>
+          <p:nvPr/>
+        </p:nvSpPr>
+        <p:spPr>
+          <a:xfrm>
+            <a:off x="291960" y="189000"/>
+            <a:ext cx="7479000" cy="898560"/>
+          </a:xfrm>
+          <a:prstGeom prst="rect">
+            <a:avLst/>
+          </a:prstGeom>
+          <a:noFill/>
+          <a:ln w="0">
+            <a:noFill/>
+          </a:ln>
+        </p:spPr>
+        <p:style>
+          <a:lnRef idx="0">
+            <a:scrgbClr r="0" g="0" b="0"/>
+          </a:lnRef>
+          <a:fillRef idx="0">
+            <a:scrgbClr r="0" g="0" b="0"/>
+          </a:fillRef>
+          <a:effectRef idx="0">
+            <a:scrgbClr r="0" g="0" b="0"/>
+          </a:effectRef>
+          <a:fontRef idx="minor"/>
+        </p:style>
+        <p:txBody>
+          <a:bodyPr lIns="90000" tIns="91440" rIns="90000" bIns="91440" anchor="t">
+            <a:noAutofit/>
+          </a:bodyPr>
+          <a:lstStyle/>
+          <a:p>
+            <a:pPr>
+              <a:lnSpc>
+                <a:spcPct val="100000"/>
+              </a:lnSpc>
+            </a:pPr>
+            <a:r>
+              <a:rPr lang="pt-BR" sz="5400" b="1" spc="-1" dirty="0">
+                <a:solidFill>
+                  <a:srgbClr val="002060"/>
+                </a:solidFill>
+                <a:latin typeface="Overpass"/>
+              </a:rPr>
+              <a:t>Perguntas</a:t>
+            </a:r>
+            <a:endParaRPr lang="pt-BR" sz="5400" b="0" strike="noStrike" spc="-1" dirty="0">
+              <a:solidFill>
+                <a:srgbClr val="000000"/>
+              </a:solidFill>
+              <a:latin typeface="Arial"/>
+            </a:endParaRPr>
+          </a:p>
+          <a:p>
+            <a:pPr>
+              <a:lnSpc>
+                <a:spcPct val="100000"/>
+              </a:lnSpc>
+            </a:pPr>
+            <a:endParaRPr lang="pt-BR" sz="5400" b="0" strike="noStrike" spc="-1" dirty="0">
+              <a:solidFill>
+                <a:srgbClr val="000000"/>
+              </a:solidFill>
+              <a:latin typeface="Arial"/>
+            </a:endParaRPr>
+          </a:p>
+        </p:txBody>
+      </p:sp>
+      <p:pic>
+        <p:nvPicPr>
+          <p:cNvPr id="176" name="Imagem 29">
+            <a:extLst>
+              <a:ext uri="{FF2B5EF4-FFF2-40B4-BE49-F238E27FC236}">
+                <a16:creationId xmlns:a16="http://schemas.microsoft.com/office/drawing/2014/main" id="{8AD7D3CE-ED0B-F030-F336-498446CA2580}"/>
+              </a:ext>
+            </a:extLst>
+          </p:cNvPr>
+          <p:cNvPicPr/>
+          <p:nvPr/>
+        </p:nvPicPr>
+        <p:blipFill>
+          <a:blip r:embed="rId2"/>
+          <a:srcRect b="20507"/>
+          <a:stretch/>
+        </p:blipFill>
+        <p:spPr>
+          <a:xfrm>
+            <a:off x="8100720" y="900720"/>
+            <a:ext cx="2141280" cy="3602160"/>
+          </a:xfrm>
+          <a:prstGeom prst="rect">
+            <a:avLst/>
+          </a:prstGeom>
+          <a:ln w="0">
+            <a:noFill/>
+          </a:ln>
+        </p:spPr>
+      </p:pic>
+      <p:sp>
+        <p:nvSpPr>
+          <p:cNvPr id="177" name="CaixaDeTexto 23">
+            <a:extLst>
+              <a:ext uri="{FF2B5EF4-FFF2-40B4-BE49-F238E27FC236}">
+                <a16:creationId xmlns:a16="http://schemas.microsoft.com/office/drawing/2014/main" id="{327A1767-E6FA-568D-04EC-D23BBC80B7C4}"/>
+              </a:ext>
+            </a:extLst>
+          </p:cNvPr>
+          <p:cNvSpPr/>
+          <p:nvPr/>
+        </p:nvSpPr>
+        <p:spPr>
+          <a:xfrm>
+            <a:off x="291960" y="1113480"/>
+            <a:ext cx="7692480" cy="1975113"/>
+          </a:xfrm>
+          <a:prstGeom prst="rect">
+            <a:avLst/>
+          </a:prstGeom>
+          <a:noFill/>
+          <a:ln w="0">
+            <a:noFill/>
+          </a:ln>
+        </p:spPr>
+        <p:style>
+          <a:lnRef idx="0">
+            <a:scrgbClr r="0" g="0" b="0"/>
+          </a:lnRef>
+          <a:fillRef idx="0">
+            <a:scrgbClr r="0" g="0" b="0"/>
+          </a:fillRef>
+          <a:effectRef idx="0">
+            <a:scrgbClr r="0" g="0" b="0"/>
+          </a:effectRef>
+          <a:fontRef idx="minor"/>
+        </p:style>
+        <p:txBody>
+          <a:bodyPr lIns="90000" tIns="45000" rIns="90000" bIns="45000" anchor="t">
+            <a:spAutoFit/>
+          </a:bodyPr>
+          <a:lstStyle/>
+          <a:p>
+            <a:pPr marL="216000" indent="-216000" algn="just">
+              <a:lnSpc>
+                <a:spcPct val="115000"/>
+              </a:lnSpc>
+              <a:buClr>
+                <a:srgbClr val="000000"/>
+              </a:buClr>
+              <a:buFont typeface="Arial"/>
+              <a:buChar char="●"/>
+            </a:pPr>
+            <a:r>
+              <a:rPr lang="pt-BR" sz="1800" b="0" strike="noStrike" spc="-1" dirty="0">
+                <a:solidFill>
+                  <a:srgbClr val="01498E"/>
+                </a:solidFill>
+                <a:latin typeface="Arial"/>
+                <a:ea typeface="Calibri"/>
+              </a:rPr>
+              <a:t>Explique esse trecho:</a:t>
+            </a:r>
+            <a:endParaRPr lang="pt-BR" sz="1800" b="0" strike="noStrike" spc="-1" dirty="0">
+              <a:solidFill>
+                <a:srgbClr val="000000"/>
+              </a:solidFill>
+              <a:latin typeface="Arial"/>
+            </a:endParaRPr>
+          </a:p>
+          <a:p>
+            <a:pPr marL="216000" algn="just">
+              <a:lnSpc>
+                <a:spcPct val="115000"/>
+              </a:lnSpc>
+            </a:pPr>
+            <a:endParaRPr lang="pt-BR" sz="1800" b="0" strike="noStrike" spc="-1" dirty="0">
+              <a:solidFill>
+                <a:srgbClr val="000000"/>
+              </a:solidFill>
+              <a:latin typeface="Arial"/>
+            </a:endParaRPr>
+          </a:p>
+          <a:p>
+            <a:pPr marL="216000" algn="just">
+              <a:lnSpc>
+                <a:spcPct val="115000"/>
+              </a:lnSpc>
+            </a:pPr>
+            <a:endParaRPr lang="pt-BR" sz="1800" b="0" strike="noStrike" spc="-1" dirty="0">
+              <a:solidFill>
+                <a:srgbClr val="000000"/>
+              </a:solidFill>
+              <a:latin typeface="Arial"/>
+            </a:endParaRPr>
+          </a:p>
+          <a:p>
+            <a:pPr marL="216000" algn="just">
+              <a:lnSpc>
+                <a:spcPct val="115000"/>
+              </a:lnSpc>
+            </a:pPr>
+            <a:endParaRPr lang="pt-BR" sz="1800" b="0" strike="noStrike" spc="-1" dirty="0">
+              <a:solidFill>
+                <a:srgbClr val="000000"/>
+              </a:solidFill>
+              <a:latin typeface="Arial"/>
+            </a:endParaRPr>
+          </a:p>
+          <a:p>
+            <a:pPr marL="216000" algn="just">
+              <a:lnSpc>
+                <a:spcPct val="115000"/>
+              </a:lnSpc>
+            </a:pPr>
+            <a:endParaRPr lang="pt-BR" sz="1800" b="0" strike="noStrike" spc="-1" dirty="0">
+              <a:solidFill>
+                <a:srgbClr val="000000"/>
+              </a:solidFill>
+              <a:latin typeface="Arial"/>
+            </a:endParaRPr>
+          </a:p>
+          <a:p>
+            <a:pPr marL="216000" algn="just">
+              <a:lnSpc>
+                <a:spcPct val="115000"/>
+              </a:lnSpc>
+            </a:pPr>
+            <a:endParaRPr lang="pt-BR" sz="1800" b="0" strike="noStrike" spc="-1" dirty="0">
+              <a:solidFill>
+                <a:srgbClr val="000000"/>
+              </a:solidFill>
+              <a:latin typeface="Arial"/>
+            </a:endParaRPr>
+          </a:p>
+        </p:txBody>
+      </p:sp>
+      <p:pic>
+        <p:nvPicPr>
+          <p:cNvPr id="5" name="Imagem 4">
+            <a:extLst>
+              <a:ext uri="{FF2B5EF4-FFF2-40B4-BE49-F238E27FC236}">
+                <a16:creationId xmlns:a16="http://schemas.microsoft.com/office/drawing/2014/main" id="{B99C80C2-CCDA-0F08-A127-4D433DBDA416}"/>
+              </a:ext>
+            </a:extLst>
+          </p:cNvPr>
+          <p:cNvPicPr>
+            <a:picLocks noChangeAspect="1"/>
+          </p:cNvPicPr>
+          <p:nvPr/>
+        </p:nvPicPr>
+        <p:blipFill>
+          <a:blip r:embed="rId3"/>
+          <a:stretch>
+            <a:fillRect/>
+          </a:stretch>
+        </p:blipFill>
+        <p:spPr>
+          <a:xfrm>
+            <a:off x="665230" y="1635221"/>
+            <a:ext cx="3172268" cy="695422"/>
+          </a:xfrm>
+          <a:prstGeom prst="rect">
+            <a:avLst/>
+          </a:prstGeom>
+        </p:spPr>
+      </p:pic>
+    </p:spTree>
+    <p:extLst>
+      <p:ext uri="{BB962C8B-B14F-4D97-AF65-F5344CB8AC3E}">
+        <p14:creationId xmlns:p14="http://schemas.microsoft.com/office/powerpoint/2010/main" val="3670090025"/>
+      </p:ext>
+    </p:extLst>
+  </p:cSld>
+  <p:clrMapOvr>
+    <a:masterClrMapping/>
+  </p:clrMapOvr>
+</p:sld>
+</file>
+
+<file path=ppt/slides/slide11.xml><?xml version="1.0" encoding="utf-8"?>
+<p:sld xmlns:a="http://schemas.openxmlformats.org/drawingml/2006/main" xmlns:r="http://schemas.openxmlformats.org/officeDocument/2006/relationships" xmlns:p="http://schemas.openxmlformats.org/presentationml/2006/main">
+  <p:cSld>
+    <p:spTree>
+      <p:nvGrpSpPr>
+        <p:cNvPr id="1" name="">
+          <a:extLst>
+            <a:ext uri="{FF2B5EF4-FFF2-40B4-BE49-F238E27FC236}">
               <a16:creationId xmlns:a16="http://schemas.microsoft.com/office/drawing/2014/main" id="{CB7B764F-4E29-B559-703C-89293B60C12A}"/>
             </a:ext>
           </a:extLst>
@@ -7512,7 +7830,7 @@
 </p:sld>
 </file>
 
-<file path=ppt/slides/slide11.xml><?xml version="1.0" encoding="utf-8"?>
+<file path=ppt/slides/slide12.xml><?xml version="1.0" encoding="utf-8"?>
 <p:sld xmlns:a="http://schemas.openxmlformats.org/drawingml/2006/main" xmlns:r="http://schemas.openxmlformats.org/officeDocument/2006/relationships" xmlns:p="http://schemas.openxmlformats.org/presentationml/2006/main">
   <p:cSld>
     <p:spTree>
@@ -7824,7 +8142,7 @@
 </p:sld>
 </file>
 
-<file path=ppt/slides/slide12.xml><?xml version="1.0" encoding="utf-8"?>
+<file path=ppt/slides/slide13.xml><?xml version="1.0" encoding="utf-8"?>
 <p:sld xmlns:a="http://schemas.openxmlformats.org/drawingml/2006/main" xmlns:r="http://schemas.openxmlformats.org/officeDocument/2006/relationships" xmlns:p="http://schemas.openxmlformats.org/presentationml/2006/main">
   <p:cSld>
     <p:spTree>
@@ -8136,7 +8454,7 @@
 </p:sld>
 </file>
 
-<file path=ppt/slides/slide13.xml><?xml version="1.0" encoding="utf-8"?>
+<file path=ppt/slides/slide14.xml><?xml version="1.0" encoding="utf-8"?>
 <p:sld xmlns:a="http://schemas.openxmlformats.org/drawingml/2006/main" xmlns:r="http://schemas.openxmlformats.org/officeDocument/2006/relationships" xmlns:p="http://schemas.openxmlformats.org/presentationml/2006/main">
   <p:cSld>
     <p:spTree>
@@ -8448,7 +8766,7 @@
 </p:sld>
 </file>
 
-<file path=ppt/slides/slide14.xml><?xml version="1.0" encoding="utf-8"?>
+<file path=ppt/slides/slide15.xml><?xml version="1.0" encoding="utf-8"?>
 <p:sld xmlns:a="http://schemas.openxmlformats.org/drawingml/2006/main" xmlns:r="http://schemas.openxmlformats.org/officeDocument/2006/relationships" xmlns:p="http://schemas.openxmlformats.org/presentationml/2006/main">
   <p:cSld>
     <p:spTree>
@@ -8747,7 +9065,7 @@
 </p:sld>
 </file>
 
-<file path=ppt/slides/slide15.xml><?xml version="1.0" encoding="utf-8"?>
+<file path=ppt/slides/slide16.xml><?xml version="1.0" encoding="utf-8"?>
 <p:sld xmlns:a="http://schemas.openxmlformats.org/drawingml/2006/main" xmlns:r="http://schemas.openxmlformats.org/officeDocument/2006/relationships" xmlns:p="http://schemas.openxmlformats.org/presentationml/2006/main">
   <p:cSld>
     <p:spTree>
@@ -9016,7 +9334,7 @@
 </p:sld>
 </file>
 
-<file path=ppt/slides/slide16.xml><?xml version="1.0" encoding="utf-8"?>
+<file path=ppt/slides/slide17.xml><?xml version="1.0" encoding="utf-8"?>
 <p:sld xmlns:a="http://schemas.openxmlformats.org/drawingml/2006/main" xmlns:r="http://schemas.openxmlformats.org/officeDocument/2006/relationships" xmlns:p="http://schemas.openxmlformats.org/presentationml/2006/main">
   <p:cSld>
     <p:spTree>
@@ -9328,7 +9646,7 @@
 </p:sld>
 </file>
 
-<file path=ppt/slides/slide17.xml><?xml version="1.0" encoding="utf-8"?>
+<file path=ppt/slides/slide18.xml><?xml version="1.0" encoding="utf-8"?>
 <p:sld xmlns:a="http://schemas.openxmlformats.org/drawingml/2006/main" xmlns:r="http://schemas.openxmlformats.org/officeDocument/2006/relationships" xmlns:p="http://schemas.openxmlformats.org/presentationml/2006/main">
   <p:cSld>
     <p:spTree>
@@ -9617,7 +9935,7 @@
 </p:sld>
 </file>
 
-<file path=ppt/slides/slide18.xml><?xml version="1.0" encoding="utf-8"?>
+<file path=ppt/slides/slide19.xml><?xml version="1.0" encoding="utf-8"?>
 <p:sld xmlns:a="http://schemas.openxmlformats.org/drawingml/2006/main" xmlns:r="http://schemas.openxmlformats.org/officeDocument/2006/relationships" xmlns:p="http://schemas.openxmlformats.org/presentationml/2006/main">
   <p:cSld>
     <p:spTree>
@@ -9920,275 +10238,6 @@
     <p:extLst>
       <p:ext uri="{BB962C8B-B14F-4D97-AF65-F5344CB8AC3E}">
         <p14:creationId xmlns:p14="http://schemas.microsoft.com/office/powerpoint/2010/main" val="1673222046"/>
-      </p:ext>
-    </p:extLst>
-  </p:cSld>
-  <p:clrMapOvr>
-    <a:masterClrMapping/>
-  </p:clrMapOvr>
-</p:sld>
-</file>
-
-<file path=ppt/slides/slide19.xml><?xml version="1.0" encoding="utf-8"?>
-<p:sld xmlns:a="http://schemas.openxmlformats.org/drawingml/2006/main" xmlns:r="http://schemas.openxmlformats.org/officeDocument/2006/relationships" xmlns:p="http://schemas.openxmlformats.org/presentationml/2006/main">
-  <p:cSld>
-    <p:spTree>
-      <p:nvGrpSpPr>
-        <p:cNvPr id="1" name="">
-          <a:extLst>
-            <a:ext uri="{FF2B5EF4-FFF2-40B4-BE49-F238E27FC236}">
-              <a16:creationId xmlns:a16="http://schemas.microsoft.com/office/drawing/2014/main" id="{7F8B9943-46D2-552A-B02F-4E58214B8C9B}"/>
-            </a:ext>
-          </a:extLst>
-        </p:cNvPr>
-        <p:cNvGrpSpPr/>
-        <p:nvPr/>
-      </p:nvGrpSpPr>
-      <p:grpSpPr>
-        <a:xfrm>
-          <a:off x="0" y="0"/>
-          <a:ext cx="0" cy="0"/>
-          <a:chOff x="0" y="0"/>
-          <a:chExt cx="0" cy="0"/>
-        </a:xfrm>
-      </p:grpSpPr>
-      <p:sp>
-        <p:nvSpPr>
-          <p:cNvPr id="175" name="Título 23">
-            <a:extLst>
-              <a:ext uri="{FF2B5EF4-FFF2-40B4-BE49-F238E27FC236}">
-                <a16:creationId xmlns:a16="http://schemas.microsoft.com/office/drawing/2014/main" id="{4A7BB829-269C-9011-E342-4F1F3FFD89BB}"/>
-              </a:ext>
-            </a:extLst>
-          </p:cNvPr>
-          <p:cNvSpPr/>
-          <p:nvPr/>
-        </p:nvSpPr>
-        <p:spPr>
-          <a:xfrm>
-            <a:off x="291960" y="189000"/>
-            <a:ext cx="7479000" cy="898560"/>
-          </a:xfrm>
-          <a:prstGeom prst="rect">
-            <a:avLst/>
-          </a:prstGeom>
-          <a:noFill/>
-          <a:ln w="0">
-            <a:noFill/>
-          </a:ln>
-        </p:spPr>
-        <p:style>
-          <a:lnRef idx="0">
-            <a:scrgbClr r="0" g="0" b="0"/>
-          </a:lnRef>
-          <a:fillRef idx="0">
-            <a:scrgbClr r="0" g="0" b="0"/>
-          </a:fillRef>
-          <a:effectRef idx="0">
-            <a:scrgbClr r="0" g="0" b="0"/>
-          </a:effectRef>
-          <a:fontRef idx="minor"/>
-        </p:style>
-        <p:txBody>
-          <a:bodyPr lIns="90000" tIns="91440" rIns="90000" bIns="91440" anchor="t">
-            <a:noAutofit/>
-          </a:bodyPr>
-          <a:lstStyle/>
-          <a:p>
-            <a:pPr>
-              <a:lnSpc>
-                <a:spcPct val="100000"/>
-              </a:lnSpc>
-            </a:pPr>
-            <a:r>
-              <a:rPr lang="pt-BR" sz="5400" b="1" spc="-1" dirty="0">
-                <a:solidFill>
-                  <a:srgbClr val="002060"/>
-                </a:solidFill>
-                <a:latin typeface="Overpass"/>
-              </a:rPr>
-              <a:t>Perguntas</a:t>
-            </a:r>
-            <a:endParaRPr lang="pt-BR" sz="5400" b="0" strike="noStrike" spc="-1" dirty="0">
-              <a:solidFill>
-                <a:srgbClr val="000000"/>
-              </a:solidFill>
-              <a:latin typeface="Arial"/>
-            </a:endParaRPr>
-          </a:p>
-          <a:p>
-            <a:pPr>
-              <a:lnSpc>
-                <a:spcPct val="100000"/>
-              </a:lnSpc>
-            </a:pPr>
-            <a:endParaRPr lang="pt-BR" sz="5400" b="0" strike="noStrike" spc="-1" dirty="0">
-              <a:solidFill>
-                <a:srgbClr val="000000"/>
-              </a:solidFill>
-              <a:latin typeface="Arial"/>
-            </a:endParaRPr>
-          </a:p>
-        </p:txBody>
-      </p:sp>
-      <p:pic>
-        <p:nvPicPr>
-          <p:cNvPr id="176" name="Imagem 29">
-            <a:extLst>
-              <a:ext uri="{FF2B5EF4-FFF2-40B4-BE49-F238E27FC236}">
-                <a16:creationId xmlns:a16="http://schemas.microsoft.com/office/drawing/2014/main" id="{3624E1A8-1B05-5557-84D2-AF43723D5151}"/>
-              </a:ext>
-            </a:extLst>
-          </p:cNvPr>
-          <p:cNvPicPr/>
-          <p:nvPr/>
-        </p:nvPicPr>
-        <p:blipFill>
-          <a:blip r:embed="rId2"/>
-          <a:srcRect b="20507"/>
-          <a:stretch/>
-        </p:blipFill>
-        <p:spPr>
-          <a:xfrm>
-            <a:off x="8100720" y="900720"/>
-            <a:ext cx="2141280" cy="3602160"/>
-          </a:xfrm>
-          <a:prstGeom prst="rect">
-            <a:avLst/>
-          </a:prstGeom>
-          <a:ln w="0">
-            <a:noFill/>
-          </a:ln>
-        </p:spPr>
-      </p:pic>
-      <p:sp>
-        <p:nvSpPr>
-          <p:cNvPr id="177" name="CaixaDeTexto 23">
-            <a:extLst>
-              <a:ext uri="{FF2B5EF4-FFF2-40B4-BE49-F238E27FC236}">
-                <a16:creationId xmlns:a16="http://schemas.microsoft.com/office/drawing/2014/main" id="{3922A73F-29FA-83FB-2520-C868DD87849B}"/>
-              </a:ext>
-            </a:extLst>
-          </p:cNvPr>
-          <p:cNvSpPr/>
-          <p:nvPr/>
-        </p:nvSpPr>
-        <p:spPr>
-          <a:xfrm>
-            <a:off x="291960" y="1113480"/>
-            <a:ext cx="7692480" cy="1656564"/>
-          </a:xfrm>
-          <a:prstGeom prst="rect">
-            <a:avLst/>
-          </a:prstGeom>
-          <a:noFill/>
-          <a:ln w="0">
-            <a:noFill/>
-          </a:ln>
-        </p:spPr>
-        <p:style>
-          <a:lnRef idx="0">
-            <a:scrgbClr r="0" g="0" b="0"/>
-          </a:lnRef>
-          <a:fillRef idx="0">
-            <a:scrgbClr r="0" g="0" b="0"/>
-          </a:fillRef>
-          <a:effectRef idx="0">
-            <a:scrgbClr r="0" g="0" b="0"/>
-          </a:effectRef>
-          <a:fontRef idx="minor"/>
-        </p:style>
-        <p:txBody>
-          <a:bodyPr lIns="90000" tIns="45000" rIns="90000" bIns="45000" anchor="t">
-            <a:spAutoFit/>
-          </a:bodyPr>
-          <a:lstStyle/>
-          <a:p>
-            <a:pPr marL="216000" indent="-216000" algn="just">
-              <a:lnSpc>
-                <a:spcPct val="115000"/>
-              </a:lnSpc>
-              <a:buClr>
-                <a:srgbClr val="000000"/>
-              </a:buClr>
-              <a:buFont typeface="Arial"/>
-              <a:buChar char="●"/>
-            </a:pPr>
-            <a:r>
-              <a:rPr lang="pt-BR" sz="1800" b="0" strike="noStrike" spc="-1" dirty="0">
-                <a:solidFill>
-                  <a:srgbClr val="01498E"/>
-                </a:solidFill>
-                <a:latin typeface="Arial"/>
-                <a:ea typeface="Calibri"/>
-              </a:rPr>
-              <a:t>Como criar um dicionário?</a:t>
-            </a:r>
-            <a:endParaRPr lang="pt-BR" sz="1800" b="0" strike="noStrike" spc="-1" dirty="0">
-              <a:solidFill>
-                <a:srgbClr val="000000"/>
-              </a:solidFill>
-              <a:latin typeface="Arial"/>
-            </a:endParaRPr>
-          </a:p>
-          <a:p>
-            <a:pPr marL="216000" algn="just">
-              <a:lnSpc>
-                <a:spcPct val="115000"/>
-              </a:lnSpc>
-            </a:pPr>
-            <a:endParaRPr lang="pt-BR" sz="1800" b="0" strike="noStrike" spc="-1" dirty="0">
-              <a:solidFill>
-                <a:srgbClr val="000000"/>
-              </a:solidFill>
-              <a:latin typeface="Arial"/>
-            </a:endParaRPr>
-          </a:p>
-          <a:p>
-            <a:pPr marL="216000" algn="just">
-              <a:lnSpc>
-                <a:spcPct val="115000"/>
-              </a:lnSpc>
-            </a:pPr>
-            <a:endParaRPr lang="pt-BR" sz="1800" b="0" strike="noStrike" spc="-1" dirty="0">
-              <a:solidFill>
-                <a:srgbClr val="000000"/>
-              </a:solidFill>
-              <a:latin typeface="Arial"/>
-            </a:endParaRPr>
-          </a:p>
-          <a:p>
-            <a:pPr marL="216000" algn="just">
-              <a:lnSpc>
-                <a:spcPct val="115000"/>
-              </a:lnSpc>
-            </a:pPr>
-            <a:endParaRPr lang="pt-BR" sz="1800" b="0" strike="noStrike" spc="-1" dirty="0">
-              <a:solidFill>
-                <a:srgbClr val="000000"/>
-              </a:solidFill>
-              <a:latin typeface="Arial"/>
-            </a:endParaRPr>
-          </a:p>
-          <a:p>
-            <a:pPr marL="216000" algn="just">
-              <a:lnSpc>
-                <a:spcPct val="115000"/>
-              </a:lnSpc>
-            </a:pPr>
-            <a:endParaRPr lang="pt-BR" sz="1800" b="0" strike="noStrike" spc="-1" dirty="0">
-              <a:solidFill>
-                <a:srgbClr val="000000"/>
-              </a:solidFill>
-              <a:latin typeface="Arial"/>
-            </a:endParaRPr>
-          </a:p>
-        </p:txBody>
-      </p:sp>
-    </p:spTree>
-    <p:extLst>
-      <p:ext uri="{BB962C8B-B14F-4D97-AF65-F5344CB8AC3E}">
-        <p14:creationId xmlns:p14="http://schemas.microsoft.com/office/powerpoint/2010/main" val="4099526762"/>
       </p:ext>
     </p:extLst>
   </p:cSld>
@@ -10347,16 +10396,26 @@
               <a:buChar char="●"/>
             </a:pPr>
             <a:r>
-              <a:rPr lang="pt-BR" sz="1800" b="0" strike="noStrike" spc="-1">
+              <a:rPr lang="pt-BR" sz="1800" b="0" strike="noStrike" spc="-1" dirty="0" err="1">
                 <a:solidFill>
                   <a:srgbClr val="01498E"/>
                 </a:solidFill>
                 <a:latin typeface="Arial"/>
                 <a:ea typeface="Calibri"/>
               </a:rPr>
-              <a:t>Ativ 01: </a:t>
+              <a:t>Ativ</a:t>
             </a:r>
-            <a:endParaRPr lang="pt-BR" sz="1800" b="0" strike="noStrike" spc="-1">
+            <a:r>
+              <a:rPr lang="pt-BR" sz="1800" b="0" strike="noStrike" spc="-1" dirty="0">
+                <a:solidFill>
+                  <a:srgbClr val="01498E"/>
+                </a:solidFill>
+                <a:latin typeface="Arial"/>
+                <a:ea typeface="Calibri"/>
+              </a:rPr>
+              <a:t> 01: </a:t>
+            </a:r>
+            <a:endParaRPr lang="pt-BR" sz="1800" b="0" strike="noStrike" spc="-1" dirty="0">
               <a:solidFill>
                 <a:srgbClr val="000000"/>
               </a:solidFill>
@@ -10376,7 +10435,7 @@
               <a:buChar char=""/>
             </a:pPr>
             <a:r>
-              <a:rPr lang="pt-BR" sz="1800" b="0" strike="noStrike" spc="-1">
+              <a:rPr lang="pt-BR" sz="1800" b="0" strike="noStrike" spc="-1" dirty="0">
                 <a:solidFill>
                   <a:srgbClr val="01498E"/>
                 </a:solidFill>
@@ -10385,7 +10444,7 @@
               </a:rPr>
               <a:t>Complete a classe Receita e crie um menu para utiliza-la mais facilmente, com as funções cadastrar, listar e mostrar</a:t>
             </a:r>
-            <a:endParaRPr lang="pt-BR" sz="1800" b="0" strike="noStrike" spc="-1">
+            <a:endParaRPr lang="pt-BR" sz="1800" b="0" strike="noStrike" spc="-1" dirty="0">
               <a:solidFill>
                 <a:srgbClr val="000000"/>
               </a:solidFill>
@@ -10398,7 +10457,7 @@
                 <a:spcPct val="115000"/>
               </a:lnSpc>
             </a:pPr>
-            <a:endParaRPr lang="pt-BR" sz="1800" b="0" strike="noStrike" spc="-1">
+            <a:endParaRPr lang="pt-BR" sz="1800" b="0" strike="noStrike" spc="-1" dirty="0">
               <a:solidFill>
                 <a:srgbClr val="000000"/>
               </a:solidFill>
@@ -10411,7 +10470,7 @@
                 <a:spcPct val="115000"/>
               </a:lnSpc>
             </a:pPr>
-            <a:endParaRPr lang="pt-BR" sz="1800" b="0" strike="noStrike" spc="-1">
+            <a:endParaRPr lang="pt-BR" sz="1800" b="0" strike="noStrike" spc="-1" dirty="0">
               <a:solidFill>
                 <a:srgbClr val="000000"/>
               </a:solidFill>
@@ -10429,6 +10488,275 @@
 </file>
 
 <file path=ppt/slides/slide20.xml><?xml version="1.0" encoding="utf-8"?>
+<p:sld xmlns:a="http://schemas.openxmlformats.org/drawingml/2006/main" xmlns:r="http://schemas.openxmlformats.org/officeDocument/2006/relationships" xmlns:p="http://schemas.openxmlformats.org/presentationml/2006/main">
+  <p:cSld>
+    <p:spTree>
+      <p:nvGrpSpPr>
+        <p:cNvPr id="1" name="">
+          <a:extLst>
+            <a:ext uri="{FF2B5EF4-FFF2-40B4-BE49-F238E27FC236}">
+              <a16:creationId xmlns:a16="http://schemas.microsoft.com/office/drawing/2014/main" id="{7F8B9943-46D2-552A-B02F-4E58214B8C9B}"/>
+            </a:ext>
+          </a:extLst>
+        </p:cNvPr>
+        <p:cNvGrpSpPr/>
+        <p:nvPr/>
+      </p:nvGrpSpPr>
+      <p:grpSpPr>
+        <a:xfrm>
+          <a:off x="0" y="0"/>
+          <a:ext cx="0" cy="0"/>
+          <a:chOff x="0" y="0"/>
+          <a:chExt cx="0" cy="0"/>
+        </a:xfrm>
+      </p:grpSpPr>
+      <p:sp>
+        <p:nvSpPr>
+          <p:cNvPr id="175" name="Título 23">
+            <a:extLst>
+              <a:ext uri="{FF2B5EF4-FFF2-40B4-BE49-F238E27FC236}">
+                <a16:creationId xmlns:a16="http://schemas.microsoft.com/office/drawing/2014/main" id="{4A7BB829-269C-9011-E342-4F1F3FFD89BB}"/>
+              </a:ext>
+            </a:extLst>
+          </p:cNvPr>
+          <p:cNvSpPr/>
+          <p:nvPr/>
+        </p:nvSpPr>
+        <p:spPr>
+          <a:xfrm>
+            <a:off x="291960" y="189000"/>
+            <a:ext cx="7479000" cy="898560"/>
+          </a:xfrm>
+          <a:prstGeom prst="rect">
+            <a:avLst/>
+          </a:prstGeom>
+          <a:noFill/>
+          <a:ln w="0">
+            <a:noFill/>
+          </a:ln>
+        </p:spPr>
+        <p:style>
+          <a:lnRef idx="0">
+            <a:scrgbClr r="0" g="0" b="0"/>
+          </a:lnRef>
+          <a:fillRef idx="0">
+            <a:scrgbClr r="0" g="0" b="0"/>
+          </a:fillRef>
+          <a:effectRef idx="0">
+            <a:scrgbClr r="0" g="0" b="0"/>
+          </a:effectRef>
+          <a:fontRef idx="minor"/>
+        </p:style>
+        <p:txBody>
+          <a:bodyPr lIns="90000" tIns="91440" rIns="90000" bIns="91440" anchor="t">
+            <a:noAutofit/>
+          </a:bodyPr>
+          <a:lstStyle/>
+          <a:p>
+            <a:pPr>
+              <a:lnSpc>
+                <a:spcPct val="100000"/>
+              </a:lnSpc>
+            </a:pPr>
+            <a:r>
+              <a:rPr lang="pt-BR" sz="5400" b="1" spc="-1" dirty="0">
+                <a:solidFill>
+                  <a:srgbClr val="002060"/>
+                </a:solidFill>
+                <a:latin typeface="Overpass"/>
+              </a:rPr>
+              <a:t>Perguntas</a:t>
+            </a:r>
+            <a:endParaRPr lang="pt-BR" sz="5400" b="0" strike="noStrike" spc="-1" dirty="0">
+              <a:solidFill>
+                <a:srgbClr val="000000"/>
+              </a:solidFill>
+              <a:latin typeface="Arial"/>
+            </a:endParaRPr>
+          </a:p>
+          <a:p>
+            <a:pPr>
+              <a:lnSpc>
+                <a:spcPct val="100000"/>
+              </a:lnSpc>
+            </a:pPr>
+            <a:endParaRPr lang="pt-BR" sz="5400" b="0" strike="noStrike" spc="-1" dirty="0">
+              <a:solidFill>
+                <a:srgbClr val="000000"/>
+              </a:solidFill>
+              <a:latin typeface="Arial"/>
+            </a:endParaRPr>
+          </a:p>
+        </p:txBody>
+      </p:sp>
+      <p:pic>
+        <p:nvPicPr>
+          <p:cNvPr id="176" name="Imagem 29">
+            <a:extLst>
+              <a:ext uri="{FF2B5EF4-FFF2-40B4-BE49-F238E27FC236}">
+                <a16:creationId xmlns:a16="http://schemas.microsoft.com/office/drawing/2014/main" id="{3624E1A8-1B05-5557-84D2-AF43723D5151}"/>
+              </a:ext>
+            </a:extLst>
+          </p:cNvPr>
+          <p:cNvPicPr/>
+          <p:nvPr/>
+        </p:nvPicPr>
+        <p:blipFill>
+          <a:blip r:embed="rId2"/>
+          <a:srcRect b="20507"/>
+          <a:stretch/>
+        </p:blipFill>
+        <p:spPr>
+          <a:xfrm>
+            <a:off x="8100720" y="900720"/>
+            <a:ext cx="2141280" cy="3602160"/>
+          </a:xfrm>
+          <a:prstGeom prst="rect">
+            <a:avLst/>
+          </a:prstGeom>
+          <a:ln w="0">
+            <a:noFill/>
+          </a:ln>
+        </p:spPr>
+      </p:pic>
+      <p:sp>
+        <p:nvSpPr>
+          <p:cNvPr id="177" name="CaixaDeTexto 23">
+            <a:extLst>
+              <a:ext uri="{FF2B5EF4-FFF2-40B4-BE49-F238E27FC236}">
+                <a16:creationId xmlns:a16="http://schemas.microsoft.com/office/drawing/2014/main" id="{3922A73F-29FA-83FB-2520-C868DD87849B}"/>
+              </a:ext>
+            </a:extLst>
+          </p:cNvPr>
+          <p:cNvSpPr/>
+          <p:nvPr/>
+        </p:nvSpPr>
+        <p:spPr>
+          <a:xfrm>
+            <a:off x="291960" y="1113480"/>
+            <a:ext cx="7692480" cy="1656564"/>
+          </a:xfrm>
+          <a:prstGeom prst="rect">
+            <a:avLst/>
+          </a:prstGeom>
+          <a:noFill/>
+          <a:ln w="0">
+            <a:noFill/>
+          </a:ln>
+        </p:spPr>
+        <p:style>
+          <a:lnRef idx="0">
+            <a:scrgbClr r="0" g="0" b="0"/>
+          </a:lnRef>
+          <a:fillRef idx="0">
+            <a:scrgbClr r="0" g="0" b="0"/>
+          </a:fillRef>
+          <a:effectRef idx="0">
+            <a:scrgbClr r="0" g="0" b="0"/>
+          </a:effectRef>
+          <a:fontRef idx="minor"/>
+        </p:style>
+        <p:txBody>
+          <a:bodyPr lIns="90000" tIns="45000" rIns="90000" bIns="45000" anchor="t">
+            <a:spAutoFit/>
+          </a:bodyPr>
+          <a:lstStyle/>
+          <a:p>
+            <a:pPr marL="216000" indent="-216000" algn="just">
+              <a:lnSpc>
+                <a:spcPct val="115000"/>
+              </a:lnSpc>
+              <a:buClr>
+                <a:srgbClr val="000000"/>
+              </a:buClr>
+              <a:buFont typeface="Arial"/>
+              <a:buChar char="●"/>
+            </a:pPr>
+            <a:r>
+              <a:rPr lang="pt-BR" sz="1800" b="0" strike="noStrike" spc="-1" dirty="0">
+                <a:solidFill>
+                  <a:srgbClr val="01498E"/>
+                </a:solidFill>
+                <a:latin typeface="Arial"/>
+                <a:ea typeface="Calibri"/>
+              </a:rPr>
+              <a:t>Como criar um dicionário?</a:t>
+            </a:r>
+            <a:endParaRPr lang="pt-BR" sz="1800" b="0" strike="noStrike" spc="-1" dirty="0">
+              <a:solidFill>
+                <a:srgbClr val="000000"/>
+              </a:solidFill>
+              <a:latin typeface="Arial"/>
+            </a:endParaRPr>
+          </a:p>
+          <a:p>
+            <a:pPr marL="216000" algn="just">
+              <a:lnSpc>
+                <a:spcPct val="115000"/>
+              </a:lnSpc>
+            </a:pPr>
+            <a:endParaRPr lang="pt-BR" sz="1800" b="0" strike="noStrike" spc="-1" dirty="0">
+              <a:solidFill>
+                <a:srgbClr val="000000"/>
+              </a:solidFill>
+              <a:latin typeface="Arial"/>
+            </a:endParaRPr>
+          </a:p>
+          <a:p>
+            <a:pPr marL="216000" algn="just">
+              <a:lnSpc>
+                <a:spcPct val="115000"/>
+              </a:lnSpc>
+            </a:pPr>
+            <a:endParaRPr lang="pt-BR" sz="1800" b="0" strike="noStrike" spc="-1" dirty="0">
+              <a:solidFill>
+                <a:srgbClr val="000000"/>
+              </a:solidFill>
+              <a:latin typeface="Arial"/>
+            </a:endParaRPr>
+          </a:p>
+          <a:p>
+            <a:pPr marL="216000" algn="just">
+              <a:lnSpc>
+                <a:spcPct val="115000"/>
+              </a:lnSpc>
+            </a:pPr>
+            <a:endParaRPr lang="pt-BR" sz="1800" b="0" strike="noStrike" spc="-1" dirty="0">
+              <a:solidFill>
+                <a:srgbClr val="000000"/>
+              </a:solidFill>
+              <a:latin typeface="Arial"/>
+            </a:endParaRPr>
+          </a:p>
+          <a:p>
+            <a:pPr marL="216000" algn="just">
+              <a:lnSpc>
+                <a:spcPct val="115000"/>
+              </a:lnSpc>
+            </a:pPr>
+            <a:endParaRPr lang="pt-BR" sz="1800" b="0" strike="noStrike" spc="-1" dirty="0">
+              <a:solidFill>
+                <a:srgbClr val="000000"/>
+              </a:solidFill>
+              <a:latin typeface="Arial"/>
+            </a:endParaRPr>
+          </a:p>
+        </p:txBody>
+      </p:sp>
+    </p:spTree>
+    <p:extLst>
+      <p:ext uri="{BB962C8B-B14F-4D97-AF65-F5344CB8AC3E}">
+        <p14:creationId xmlns:p14="http://schemas.microsoft.com/office/powerpoint/2010/main" val="4099526762"/>
+      </p:ext>
+    </p:extLst>
+  </p:cSld>
+  <p:clrMapOvr>
+    <a:masterClrMapping/>
+  </p:clrMapOvr>
+</p:sld>
+</file>
+
+<file path=ppt/slides/slide21.xml><?xml version="1.0" encoding="utf-8"?>
 <p:sld xmlns:a="http://schemas.openxmlformats.org/drawingml/2006/main" xmlns:r="http://schemas.openxmlformats.org/officeDocument/2006/relationships" xmlns:p="http://schemas.openxmlformats.org/presentationml/2006/main">
   <p:cSld>
     <p:spTree>
@@ -10717,7 +11045,7 @@
 </p:sld>
 </file>
 
-<file path=ppt/slides/slide21.xml><?xml version="1.0" encoding="utf-8"?>
+<file path=ppt/slides/slide22.xml><?xml version="1.0" encoding="utf-8"?>
 <p:sld xmlns:a="http://schemas.openxmlformats.org/drawingml/2006/main" xmlns:r="http://schemas.openxmlformats.org/officeDocument/2006/relationships" xmlns:p="http://schemas.openxmlformats.org/presentationml/2006/main">
   <p:cSld>
     <p:spTree>
@@ -11022,7 +11350,7 @@
 </p:sld>
 </file>
 
-<file path=ppt/slides/slide22.xml><?xml version="1.0" encoding="utf-8"?>
+<file path=ppt/slides/slide23.xml><?xml version="1.0" encoding="utf-8"?>
 <p:sld xmlns:a="http://schemas.openxmlformats.org/drawingml/2006/main" xmlns:r="http://schemas.openxmlformats.org/officeDocument/2006/relationships" xmlns:p="http://schemas.openxmlformats.org/presentationml/2006/main">
   <p:cSld>
     <p:spTree>
@@ -11252,7 +11580,7 @@
 </p:sld>
 </file>
 
-<file path=ppt/slides/slide23.xml><?xml version="1.0" encoding="utf-8"?>
+<file path=ppt/slides/slide24.xml><?xml version="1.0" encoding="utf-8"?>
 <p:sld xmlns:a="http://schemas.openxmlformats.org/drawingml/2006/main" xmlns:r="http://schemas.openxmlformats.org/officeDocument/2006/relationships" xmlns:p="http://schemas.openxmlformats.org/presentationml/2006/main">
   <p:cSld>
     <p:spTree>
@@ -11277,7 +11605,7 @@
 </p:sld>
 </file>
 
-<file path=ppt/slides/slide24.xml><?xml version="1.0" encoding="utf-8"?>
+<file path=ppt/slides/slide25.xml><?xml version="1.0" encoding="utf-8"?>
 <p:sld xmlns:a="http://schemas.openxmlformats.org/drawingml/2006/main" xmlns:r="http://schemas.openxmlformats.org/officeDocument/2006/relationships" xmlns:p="http://schemas.openxmlformats.org/presentationml/2006/main">
   <p:cSld>
     <p:spTree>
@@ -11313,7 +11641,7 @@
 </p:sld>
 </file>
 
-<file path=ppt/slides/slide25.xml><?xml version="1.0" encoding="utf-8"?>
+<file path=ppt/slides/slide26.xml><?xml version="1.0" encoding="utf-8"?>
 <p:sld xmlns:a="http://schemas.openxmlformats.org/drawingml/2006/main" xmlns:r="http://schemas.openxmlformats.org/officeDocument/2006/relationships" xmlns:p="http://schemas.openxmlformats.org/presentationml/2006/main">
   <p:cSld>
     <p:spTree>
@@ -11349,7 +11677,7 @@
 </p:sld>
 </file>
 
-<file path=ppt/slides/slide26.xml><?xml version="1.0" encoding="utf-8"?>
+<file path=ppt/slides/slide27.xml><?xml version="1.0" encoding="utf-8"?>
 <p:sld xmlns:a="http://schemas.openxmlformats.org/drawingml/2006/main" xmlns:r="http://schemas.openxmlformats.org/officeDocument/2006/relationships" xmlns:p="http://schemas.openxmlformats.org/presentationml/2006/main">
   <p:cSld>
     <p:spTree>
@@ -13204,6 +13532,349 @@
         <p:cNvPr id="1" name="">
           <a:extLst>
             <a:ext uri="{FF2B5EF4-FFF2-40B4-BE49-F238E27FC236}">
+              <a16:creationId xmlns:a16="http://schemas.microsoft.com/office/drawing/2014/main" id="{887B2216-17F4-184E-2524-7CF9087FAECA}"/>
+            </a:ext>
+          </a:extLst>
+        </p:cNvPr>
+        <p:cNvGrpSpPr/>
+        <p:nvPr/>
+      </p:nvGrpSpPr>
+      <p:grpSpPr>
+        <a:xfrm>
+          <a:off x="0" y="0"/>
+          <a:ext cx="0" cy="0"/>
+          <a:chOff x="0" y="0"/>
+          <a:chExt cx="0" cy="0"/>
+        </a:xfrm>
+      </p:grpSpPr>
+      <p:sp>
+        <p:nvSpPr>
+          <p:cNvPr id="175" name="Título 23">
+            <a:extLst>
+              <a:ext uri="{FF2B5EF4-FFF2-40B4-BE49-F238E27FC236}">
+                <a16:creationId xmlns:a16="http://schemas.microsoft.com/office/drawing/2014/main" id="{BCC5D4B9-3EEE-DBF4-7DE2-1158BB83518A}"/>
+              </a:ext>
+            </a:extLst>
+          </p:cNvPr>
+          <p:cNvSpPr/>
+          <p:nvPr/>
+        </p:nvSpPr>
+        <p:spPr>
+          <a:xfrm>
+            <a:off x="291960" y="189000"/>
+            <a:ext cx="7479000" cy="898560"/>
+          </a:xfrm>
+          <a:prstGeom prst="rect">
+            <a:avLst/>
+          </a:prstGeom>
+          <a:noFill/>
+          <a:ln w="0">
+            <a:noFill/>
+          </a:ln>
+        </p:spPr>
+        <p:style>
+          <a:lnRef idx="0">
+            <a:scrgbClr r="0" g="0" b="0"/>
+          </a:lnRef>
+          <a:fillRef idx="0">
+            <a:scrgbClr r="0" g="0" b="0"/>
+          </a:fillRef>
+          <a:effectRef idx="0">
+            <a:scrgbClr r="0" g="0" b="0"/>
+          </a:effectRef>
+          <a:fontRef idx="minor"/>
+        </p:style>
+        <p:txBody>
+          <a:bodyPr lIns="90000" tIns="91440" rIns="90000" bIns="91440" anchor="t">
+            <a:noAutofit/>
+          </a:bodyPr>
+          <a:lstStyle/>
+          <a:p>
+            <a:pPr>
+              <a:lnSpc>
+                <a:spcPct val="100000"/>
+              </a:lnSpc>
+            </a:pPr>
+            <a:r>
+              <a:rPr lang="pt-BR" sz="5400" b="1" strike="noStrike" spc="-1">
+                <a:solidFill>
+                  <a:srgbClr val="002060"/>
+                </a:solidFill>
+                <a:latin typeface="Overpass"/>
+                <a:ea typeface="Overpass"/>
+              </a:rPr>
+              <a:t>Flask </a:t>
+            </a:r>
+            <a:endParaRPr lang="pt-BR" sz="5400" b="0" strike="noStrike" spc="-1">
+              <a:solidFill>
+                <a:srgbClr val="000000"/>
+              </a:solidFill>
+              <a:latin typeface="Arial"/>
+            </a:endParaRPr>
+          </a:p>
+          <a:p>
+            <a:pPr>
+              <a:lnSpc>
+                <a:spcPct val="100000"/>
+              </a:lnSpc>
+            </a:pPr>
+            <a:endParaRPr lang="pt-BR" sz="5400" b="0" strike="noStrike" spc="-1">
+              <a:solidFill>
+                <a:srgbClr val="000000"/>
+              </a:solidFill>
+              <a:latin typeface="Arial"/>
+            </a:endParaRPr>
+          </a:p>
+        </p:txBody>
+      </p:sp>
+      <p:pic>
+        <p:nvPicPr>
+          <p:cNvPr id="176" name="Imagem 29">
+            <a:extLst>
+              <a:ext uri="{FF2B5EF4-FFF2-40B4-BE49-F238E27FC236}">
+                <a16:creationId xmlns:a16="http://schemas.microsoft.com/office/drawing/2014/main" id="{41096ABC-2C91-1BCE-42F2-4744D03D43C3}"/>
+              </a:ext>
+            </a:extLst>
+          </p:cNvPr>
+          <p:cNvPicPr/>
+          <p:nvPr/>
+        </p:nvPicPr>
+        <p:blipFill>
+          <a:blip r:embed="rId2"/>
+          <a:srcRect b="20507"/>
+          <a:stretch/>
+        </p:blipFill>
+        <p:spPr>
+          <a:xfrm>
+            <a:off x="8100720" y="900720"/>
+            <a:ext cx="2141280" cy="3602160"/>
+          </a:xfrm>
+          <a:prstGeom prst="rect">
+            <a:avLst/>
+          </a:prstGeom>
+          <a:ln w="0">
+            <a:noFill/>
+          </a:ln>
+        </p:spPr>
+      </p:pic>
+      <p:sp>
+        <p:nvSpPr>
+          <p:cNvPr id="177" name="CaixaDeTexto 23">
+            <a:extLst>
+              <a:ext uri="{FF2B5EF4-FFF2-40B4-BE49-F238E27FC236}">
+                <a16:creationId xmlns:a16="http://schemas.microsoft.com/office/drawing/2014/main" id="{3C362017-8EA3-AE59-2770-09791F202E3E}"/>
+              </a:ext>
+            </a:extLst>
+          </p:cNvPr>
+          <p:cNvSpPr/>
+          <p:nvPr/>
+        </p:nvSpPr>
+        <p:spPr>
+          <a:xfrm>
+            <a:off x="291960" y="1113480"/>
+            <a:ext cx="7692480" cy="1975113"/>
+          </a:xfrm>
+          <a:prstGeom prst="rect">
+            <a:avLst/>
+          </a:prstGeom>
+          <a:noFill/>
+          <a:ln w="0">
+            <a:noFill/>
+          </a:ln>
+        </p:spPr>
+        <p:style>
+          <a:lnRef idx="0">
+            <a:scrgbClr r="0" g="0" b="0"/>
+          </a:lnRef>
+          <a:fillRef idx="0">
+            <a:scrgbClr r="0" g="0" b="0"/>
+          </a:fillRef>
+          <a:effectRef idx="0">
+            <a:scrgbClr r="0" g="0" b="0"/>
+          </a:effectRef>
+          <a:fontRef idx="minor"/>
+        </p:style>
+        <p:txBody>
+          <a:bodyPr lIns="90000" tIns="45000" rIns="90000" bIns="45000" anchor="t">
+            <a:spAutoFit/>
+          </a:bodyPr>
+          <a:lstStyle/>
+          <a:p>
+            <a:pPr marL="216000" indent="-216000" algn="just">
+              <a:lnSpc>
+                <a:spcPct val="115000"/>
+              </a:lnSpc>
+              <a:buClr>
+                <a:srgbClr val="000000"/>
+              </a:buClr>
+              <a:buFont typeface="Arial"/>
+              <a:buChar char="●"/>
+            </a:pPr>
+            <a:r>
+              <a:rPr lang="pt-BR" sz="1800" b="0" strike="noStrike" spc="-1" dirty="0">
+                <a:solidFill>
+                  <a:srgbClr val="01498E"/>
+                </a:solidFill>
+                <a:latin typeface="Arial"/>
+                <a:ea typeface="Calibri"/>
+              </a:rPr>
+              <a:t>Como criar uma rota que processa o retorno de um formulário:</a:t>
+            </a:r>
+            <a:endParaRPr lang="pt-BR" sz="1800" b="0" strike="noStrike" spc="-1" dirty="0">
+              <a:solidFill>
+                <a:srgbClr val="000000"/>
+              </a:solidFill>
+              <a:latin typeface="Arial"/>
+            </a:endParaRPr>
+          </a:p>
+          <a:p>
+            <a:pPr marL="216000" algn="just">
+              <a:lnSpc>
+                <a:spcPct val="115000"/>
+              </a:lnSpc>
+            </a:pPr>
+            <a:endParaRPr lang="pt-BR" sz="1800" b="0" strike="noStrike" spc="-1" dirty="0">
+              <a:solidFill>
+                <a:srgbClr val="000000"/>
+              </a:solidFill>
+              <a:latin typeface="Arial"/>
+            </a:endParaRPr>
+          </a:p>
+          <a:p>
+            <a:pPr marL="216000" algn="just">
+              <a:lnSpc>
+                <a:spcPct val="115000"/>
+              </a:lnSpc>
+            </a:pPr>
+            <a:endParaRPr lang="pt-BR" sz="1800" b="0" strike="noStrike" spc="-1" dirty="0">
+              <a:solidFill>
+                <a:srgbClr val="000000"/>
+              </a:solidFill>
+              <a:latin typeface="Arial"/>
+            </a:endParaRPr>
+          </a:p>
+          <a:p>
+            <a:pPr marL="216000" algn="just">
+              <a:lnSpc>
+                <a:spcPct val="115000"/>
+              </a:lnSpc>
+            </a:pPr>
+            <a:endParaRPr lang="pt-BR" sz="1800" b="0" strike="noStrike" spc="-1" dirty="0">
+              <a:solidFill>
+                <a:srgbClr val="000000"/>
+              </a:solidFill>
+              <a:latin typeface="Arial"/>
+            </a:endParaRPr>
+          </a:p>
+          <a:p>
+            <a:pPr marL="216000" algn="just">
+              <a:lnSpc>
+                <a:spcPct val="115000"/>
+              </a:lnSpc>
+            </a:pPr>
+            <a:endParaRPr lang="pt-BR" sz="1800" b="0" strike="noStrike" spc="-1" dirty="0">
+              <a:solidFill>
+                <a:srgbClr val="000000"/>
+              </a:solidFill>
+              <a:latin typeface="Arial"/>
+            </a:endParaRPr>
+          </a:p>
+          <a:p>
+            <a:pPr marL="216000" algn="just">
+              <a:lnSpc>
+                <a:spcPct val="115000"/>
+              </a:lnSpc>
+            </a:pPr>
+            <a:endParaRPr lang="pt-BR" sz="1800" b="0" strike="noStrike" spc="-1" dirty="0">
+              <a:solidFill>
+                <a:srgbClr val="000000"/>
+              </a:solidFill>
+              <a:latin typeface="Arial"/>
+            </a:endParaRPr>
+          </a:p>
+        </p:txBody>
+      </p:sp>
+      <p:pic>
+        <p:nvPicPr>
+          <p:cNvPr id="4" name="Imagem 3">
+            <a:extLst>
+              <a:ext uri="{FF2B5EF4-FFF2-40B4-BE49-F238E27FC236}">
+                <a16:creationId xmlns:a16="http://schemas.microsoft.com/office/drawing/2014/main" id="{F6F45AC8-1381-CEA3-99A2-1F91F8C230EE}"/>
+              </a:ext>
+            </a:extLst>
+          </p:cNvPr>
+          <p:cNvPicPr>
+            <a:picLocks noChangeAspect="1"/>
+          </p:cNvPicPr>
+          <p:nvPr/>
+        </p:nvPicPr>
+        <p:blipFill>
+          <a:blip r:embed="rId3"/>
+          <a:stretch>
+            <a:fillRect/>
+          </a:stretch>
+        </p:blipFill>
+        <p:spPr>
+          <a:xfrm>
+            <a:off x="389589" y="1632579"/>
+            <a:ext cx="7497221" cy="1324160"/>
+          </a:xfrm>
+          <a:prstGeom prst="rect">
+            <a:avLst/>
+          </a:prstGeom>
+        </p:spPr>
+      </p:pic>
+      <p:pic>
+        <p:nvPicPr>
+          <p:cNvPr id="7" name="Imagem 6">
+            <a:extLst>
+              <a:ext uri="{FF2B5EF4-FFF2-40B4-BE49-F238E27FC236}">
+                <a16:creationId xmlns:a16="http://schemas.microsoft.com/office/drawing/2014/main" id="{EBFE7D66-AE66-F182-13E5-E4948CFA6895}"/>
+              </a:ext>
+            </a:extLst>
+          </p:cNvPr>
+          <p:cNvPicPr>
+            <a:picLocks noChangeAspect="1"/>
+          </p:cNvPicPr>
+          <p:nvPr/>
+        </p:nvPicPr>
+        <p:blipFill>
+          <a:blip r:embed="rId4"/>
+          <a:stretch>
+            <a:fillRect/>
+          </a:stretch>
+        </p:blipFill>
+        <p:spPr>
+          <a:xfrm>
+            <a:off x="389589" y="3388299"/>
+            <a:ext cx="6258798" cy="1114581"/>
+          </a:xfrm>
+          <a:prstGeom prst="rect">
+            <a:avLst/>
+          </a:prstGeom>
+        </p:spPr>
+      </p:pic>
+    </p:spTree>
+    <p:extLst>
+      <p:ext uri="{BB962C8B-B14F-4D97-AF65-F5344CB8AC3E}">
+        <p14:creationId xmlns:p14="http://schemas.microsoft.com/office/powerpoint/2010/main" val="1788583262"/>
+      </p:ext>
+    </p:extLst>
+  </p:cSld>
+  <p:clrMapOvr>
+    <a:masterClrMapping/>
+  </p:clrMapOvr>
+</p:sld>
+</file>
+
+<file path=ppt/slides/slide8.xml><?xml version="1.0" encoding="utf-8"?>
+<p:sld xmlns:a="http://schemas.openxmlformats.org/drawingml/2006/main" xmlns:r="http://schemas.openxmlformats.org/officeDocument/2006/relationships" xmlns:p="http://schemas.openxmlformats.org/presentationml/2006/main">
+  <p:cSld>
+    <p:spTree>
+      <p:nvGrpSpPr>
+        <p:cNvPr id="1" name="">
+          <a:extLst>
+            <a:ext uri="{FF2B5EF4-FFF2-40B4-BE49-F238E27FC236}">
               <a16:creationId xmlns:a16="http://schemas.microsoft.com/office/drawing/2014/main" id="{B75A1D2E-66BA-901A-168D-CC29E253B47A}"/>
             </a:ext>
           </a:extLst>
@@ -13478,7 +14149,7 @@
 </p:sld>
 </file>
 
-<file path=ppt/slides/slide8.xml><?xml version="1.0" encoding="utf-8"?>
+<file path=ppt/slides/slide9.xml><?xml version="1.0" encoding="utf-8"?>
 <p:sld xmlns:a="http://schemas.openxmlformats.org/drawingml/2006/main" xmlns:r="http://schemas.openxmlformats.org/officeDocument/2006/relationships" xmlns:p="http://schemas.openxmlformats.org/presentationml/2006/main">
   <p:cSld>
     <p:spTree>
@@ -13780,318 +14451,6 @@
     <p:extLst>
       <p:ext uri="{BB962C8B-B14F-4D97-AF65-F5344CB8AC3E}">
         <p14:creationId xmlns:p14="http://schemas.microsoft.com/office/powerpoint/2010/main" val="4253403791"/>
-      </p:ext>
-    </p:extLst>
-  </p:cSld>
-  <p:clrMapOvr>
-    <a:masterClrMapping/>
-  </p:clrMapOvr>
-</p:sld>
-</file>
-
-<file path=ppt/slides/slide9.xml><?xml version="1.0" encoding="utf-8"?>
-<p:sld xmlns:a="http://schemas.openxmlformats.org/drawingml/2006/main" xmlns:r="http://schemas.openxmlformats.org/officeDocument/2006/relationships" xmlns:p="http://schemas.openxmlformats.org/presentationml/2006/main">
-  <p:cSld>
-    <p:spTree>
-      <p:nvGrpSpPr>
-        <p:cNvPr id="1" name="">
-          <a:extLst>
-            <a:ext uri="{FF2B5EF4-FFF2-40B4-BE49-F238E27FC236}">
-              <a16:creationId xmlns:a16="http://schemas.microsoft.com/office/drawing/2014/main" id="{8BA9A728-E588-8DD1-267E-4ADCF25BBA57}"/>
-            </a:ext>
-          </a:extLst>
-        </p:cNvPr>
-        <p:cNvGrpSpPr/>
-        <p:nvPr/>
-      </p:nvGrpSpPr>
-      <p:grpSpPr>
-        <a:xfrm>
-          <a:off x="0" y="0"/>
-          <a:ext cx="0" cy="0"/>
-          <a:chOff x="0" y="0"/>
-          <a:chExt cx="0" cy="0"/>
-        </a:xfrm>
-      </p:grpSpPr>
-      <p:sp>
-        <p:nvSpPr>
-          <p:cNvPr id="175" name="Título 23">
-            <a:extLst>
-              <a:ext uri="{FF2B5EF4-FFF2-40B4-BE49-F238E27FC236}">
-                <a16:creationId xmlns:a16="http://schemas.microsoft.com/office/drawing/2014/main" id="{007FF11F-55D9-DFCE-4ECD-306086A83E67}"/>
-              </a:ext>
-            </a:extLst>
-          </p:cNvPr>
-          <p:cNvSpPr/>
-          <p:nvPr/>
-        </p:nvSpPr>
-        <p:spPr>
-          <a:xfrm>
-            <a:off x="291960" y="189000"/>
-            <a:ext cx="7479000" cy="898560"/>
-          </a:xfrm>
-          <a:prstGeom prst="rect">
-            <a:avLst/>
-          </a:prstGeom>
-          <a:noFill/>
-          <a:ln w="0">
-            <a:noFill/>
-          </a:ln>
-        </p:spPr>
-        <p:style>
-          <a:lnRef idx="0">
-            <a:scrgbClr r="0" g="0" b="0"/>
-          </a:lnRef>
-          <a:fillRef idx="0">
-            <a:scrgbClr r="0" g="0" b="0"/>
-          </a:fillRef>
-          <a:effectRef idx="0">
-            <a:scrgbClr r="0" g="0" b="0"/>
-          </a:effectRef>
-          <a:fontRef idx="minor"/>
-        </p:style>
-        <p:txBody>
-          <a:bodyPr lIns="90000" tIns="91440" rIns="90000" bIns="91440" anchor="t">
-            <a:noAutofit/>
-          </a:bodyPr>
-          <a:lstStyle/>
-          <a:p>
-            <a:pPr>
-              <a:lnSpc>
-                <a:spcPct val="100000"/>
-              </a:lnSpc>
-            </a:pPr>
-            <a:r>
-              <a:rPr lang="pt-BR" sz="5400" b="1" spc="-1" dirty="0">
-                <a:solidFill>
-                  <a:srgbClr val="002060"/>
-                </a:solidFill>
-                <a:latin typeface="Overpass"/>
-              </a:rPr>
-              <a:t>Perguntas</a:t>
-            </a:r>
-            <a:endParaRPr lang="pt-BR" sz="5400" b="0" strike="noStrike" spc="-1" dirty="0">
-              <a:solidFill>
-                <a:srgbClr val="000000"/>
-              </a:solidFill>
-              <a:latin typeface="Arial"/>
-            </a:endParaRPr>
-          </a:p>
-          <a:p>
-            <a:pPr>
-              <a:lnSpc>
-                <a:spcPct val="100000"/>
-              </a:lnSpc>
-            </a:pPr>
-            <a:endParaRPr lang="pt-BR" sz="5400" b="0" strike="noStrike" spc="-1" dirty="0">
-              <a:solidFill>
-                <a:srgbClr val="000000"/>
-              </a:solidFill>
-              <a:latin typeface="Arial"/>
-            </a:endParaRPr>
-          </a:p>
-        </p:txBody>
-      </p:sp>
-      <p:pic>
-        <p:nvPicPr>
-          <p:cNvPr id="176" name="Imagem 29">
-            <a:extLst>
-              <a:ext uri="{FF2B5EF4-FFF2-40B4-BE49-F238E27FC236}">
-                <a16:creationId xmlns:a16="http://schemas.microsoft.com/office/drawing/2014/main" id="{8AD7D3CE-ED0B-F030-F336-498446CA2580}"/>
-              </a:ext>
-            </a:extLst>
-          </p:cNvPr>
-          <p:cNvPicPr/>
-          <p:nvPr/>
-        </p:nvPicPr>
-        <p:blipFill>
-          <a:blip r:embed="rId2"/>
-          <a:srcRect b="20507"/>
-          <a:stretch/>
-        </p:blipFill>
-        <p:spPr>
-          <a:xfrm>
-            <a:off x="8100720" y="900720"/>
-            <a:ext cx="2141280" cy="3602160"/>
-          </a:xfrm>
-          <a:prstGeom prst="rect">
-            <a:avLst/>
-          </a:prstGeom>
-          <a:ln w="0">
-            <a:noFill/>
-          </a:ln>
-        </p:spPr>
-      </p:pic>
-      <p:sp>
-        <p:nvSpPr>
-          <p:cNvPr id="177" name="CaixaDeTexto 23">
-            <a:extLst>
-              <a:ext uri="{FF2B5EF4-FFF2-40B4-BE49-F238E27FC236}">
-                <a16:creationId xmlns:a16="http://schemas.microsoft.com/office/drawing/2014/main" id="{327A1767-E6FA-568D-04EC-D23BBC80B7C4}"/>
-              </a:ext>
-            </a:extLst>
-          </p:cNvPr>
-          <p:cNvSpPr/>
-          <p:nvPr/>
-        </p:nvSpPr>
-        <p:spPr>
-          <a:xfrm>
-            <a:off x="291960" y="1113480"/>
-            <a:ext cx="7692480" cy="1975113"/>
-          </a:xfrm>
-          <a:prstGeom prst="rect">
-            <a:avLst/>
-          </a:prstGeom>
-          <a:noFill/>
-          <a:ln w="0">
-            <a:noFill/>
-          </a:ln>
-        </p:spPr>
-        <p:style>
-          <a:lnRef idx="0">
-            <a:scrgbClr r="0" g="0" b="0"/>
-          </a:lnRef>
-          <a:fillRef idx="0">
-            <a:scrgbClr r="0" g="0" b="0"/>
-          </a:fillRef>
-          <a:effectRef idx="0">
-            <a:scrgbClr r="0" g="0" b="0"/>
-          </a:effectRef>
-          <a:fontRef idx="minor"/>
-        </p:style>
-        <p:txBody>
-          <a:bodyPr lIns="90000" tIns="45000" rIns="90000" bIns="45000" anchor="t">
-            <a:spAutoFit/>
-          </a:bodyPr>
-          <a:lstStyle/>
-          <a:p>
-            <a:pPr marL="216000" indent="-216000" algn="just">
-              <a:lnSpc>
-                <a:spcPct val="115000"/>
-              </a:lnSpc>
-              <a:buClr>
-                <a:srgbClr val="000000"/>
-              </a:buClr>
-              <a:buFont typeface="Arial"/>
-              <a:buChar char="●"/>
-            </a:pPr>
-            <a:r>
-              <a:rPr lang="pt-BR" sz="1800" b="0" strike="noStrike" spc="-1" dirty="0">
-                <a:solidFill>
-                  <a:srgbClr val="01498E"/>
-                </a:solidFill>
-                <a:latin typeface="Arial"/>
-                <a:ea typeface="Calibri"/>
-              </a:rPr>
-              <a:t>Explique esse trecho:</a:t>
-            </a:r>
-            <a:endParaRPr lang="pt-BR" sz="1800" b="0" strike="noStrike" spc="-1" dirty="0">
-              <a:solidFill>
-                <a:srgbClr val="000000"/>
-              </a:solidFill>
-              <a:latin typeface="Arial"/>
-            </a:endParaRPr>
-          </a:p>
-          <a:p>
-            <a:pPr marL="216000" algn="just">
-              <a:lnSpc>
-                <a:spcPct val="115000"/>
-              </a:lnSpc>
-            </a:pPr>
-            <a:endParaRPr lang="pt-BR" sz="1800" b="0" strike="noStrike" spc="-1" dirty="0">
-              <a:solidFill>
-                <a:srgbClr val="000000"/>
-              </a:solidFill>
-              <a:latin typeface="Arial"/>
-            </a:endParaRPr>
-          </a:p>
-          <a:p>
-            <a:pPr marL="216000" algn="just">
-              <a:lnSpc>
-                <a:spcPct val="115000"/>
-              </a:lnSpc>
-            </a:pPr>
-            <a:endParaRPr lang="pt-BR" sz="1800" b="0" strike="noStrike" spc="-1" dirty="0">
-              <a:solidFill>
-                <a:srgbClr val="000000"/>
-              </a:solidFill>
-              <a:latin typeface="Arial"/>
-            </a:endParaRPr>
-          </a:p>
-          <a:p>
-            <a:pPr marL="216000" algn="just">
-              <a:lnSpc>
-                <a:spcPct val="115000"/>
-              </a:lnSpc>
-            </a:pPr>
-            <a:endParaRPr lang="pt-BR" sz="1800" b="0" strike="noStrike" spc="-1" dirty="0">
-              <a:solidFill>
-                <a:srgbClr val="000000"/>
-              </a:solidFill>
-              <a:latin typeface="Arial"/>
-            </a:endParaRPr>
-          </a:p>
-          <a:p>
-            <a:pPr marL="216000" algn="just">
-              <a:lnSpc>
-                <a:spcPct val="115000"/>
-              </a:lnSpc>
-            </a:pPr>
-            <a:endParaRPr lang="pt-BR" sz="1800" b="0" strike="noStrike" spc="-1" dirty="0">
-              <a:solidFill>
-                <a:srgbClr val="000000"/>
-              </a:solidFill>
-              <a:latin typeface="Arial"/>
-            </a:endParaRPr>
-          </a:p>
-          <a:p>
-            <a:pPr marL="216000" algn="just">
-              <a:lnSpc>
-                <a:spcPct val="115000"/>
-              </a:lnSpc>
-            </a:pPr>
-            <a:endParaRPr lang="pt-BR" sz="1800" b="0" strike="noStrike" spc="-1" dirty="0">
-              <a:solidFill>
-                <a:srgbClr val="000000"/>
-              </a:solidFill>
-              <a:latin typeface="Arial"/>
-            </a:endParaRPr>
-          </a:p>
-        </p:txBody>
-      </p:sp>
-      <p:pic>
-        <p:nvPicPr>
-          <p:cNvPr id="5" name="Imagem 4">
-            <a:extLst>
-              <a:ext uri="{FF2B5EF4-FFF2-40B4-BE49-F238E27FC236}">
-                <a16:creationId xmlns:a16="http://schemas.microsoft.com/office/drawing/2014/main" id="{B99C80C2-CCDA-0F08-A127-4D433DBDA416}"/>
-              </a:ext>
-            </a:extLst>
-          </p:cNvPr>
-          <p:cNvPicPr>
-            <a:picLocks noChangeAspect="1"/>
-          </p:cNvPicPr>
-          <p:nvPr/>
-        </p:nvPicPr>
-        <p:blipFill>
-          <a:blip r:embed="rId3"/>
-          <a:stretch>
-            <a:fillRect/>
-          </a:stretch>
-        </p:blipFill>
-        <p:spPr>
-          <a:xfrm>
-            <a:off x="665230" y="1635221"/>
-            <a:ext cx="3172268" cy="695422"/>
-          </a:xfrm>
-          <a:prstGeom prst="rect">
-            <a:avLst/>
-          </a:prstGeom>
-        </p:spPr>
-      </p:pic>
-    </p:spTree>
-    <p:extLst>
-      <p:ext uri="{BB962C8B-B14F-4D97-AF65-F5344CB8AC3E}">
-        <p14:creationId xmlns:p14="http://schemas.microsoft.com/office/powerpoint/2010/main" val="3670090025"/>
       </p:ext>
     </p:extLst>
   </p:cSld>

--- a/aula14/Aula14.pptx
+++ b/aula14/Aula14.pptx
@@ -11241,6 +11241,19 @@
               <a:t>Qual a saída de </a:t>
             </a:r>
             <a:r>
+              <a:rPr lang="pt-BR" sz="1800" b="0" strike="noStrike" spc="-1" dirty="0">
+                <a:solidFill>
+                  <a:srgbClr val="01498E"/>
+                </a:solidFill>
+                <a:highlight>
+                  <a:srgbClr val="FFFF00"/>
+                </a:highlight>
+                <a:latin typeface="Arial"/>
+                <a:ea typeface="Calibri"/>
+              </a:rPr>
+              <a:t>print(</a:t>
+            </a:r>
+            <a:r>
               <a:rPr lang="pt-BR" sz="1800" b="0" strike="noStrike" spc="-1" dirty="0" err="1">
                 <a:solidFill>
                   <a:srgbClr val="01498E"/>
@@ -11264,7 +11277,7 @@
                 <a:latin typeface="Arial"/>
                 <a:ea typeface="Calibri"/>
               </a:rPr>
-              <a:t>("Python")</a:t>
+              <a:t>("Python"))</a:t>
             </a:r>
             <a:r>
               <a:rPr lang="pt-BR" sz="1800" b="0" strike="noStrike" spc="-1" dirty="0">
